--- a/connect-4-with-AI(ppt)-ASWA.pptx
+++ b/connect-4-with-AI(ppt)-ASWA.pptx
@@ -5113,7 +5113,6 @@
               <a:rPr lang="en-US" sz="1800" b="1" dirty="0" smtClean="0"/>
               <a:t>RESULTS</a:t>
             </a:r>
-            <a:endParaRPr lang="en-US" sz="1800" b="1" dirty="0" smtClean="0"/>
           </a:p>
           <a:p>
             <a:r>
@@ -5600,8 +5599,17 @@
             </a:r>
             <a:r>
               <a:rPr lang="en-US" sz="1800" dirty="0" smtClean="0"/>
-              <a:t> for reference to logic optimization and performance tuning.</a:t>
-            </a:r>
+              <a:t> for reference to logic optimization and </a:t>
+            </a:r>
+            <a:r>
+              <a:rPr lang="en-US" sz="1800" smtClean="0"/>
+              <a:t>performance </a:t>
+            </a:r>
+            <a:r>
+              <a:rPr lang="en-US" sz="1800" smtClean="0"/>
+              <a:t>tuning .</a:t>
+            </a:r>
+            <a:endParaRPr lang="en-US" sz="1800" dirty="0" smtClean="0"/>
           </a:p>
           <a:p>
             <a:pPr lvl="0">
@@ -5932,7 +5940,7 @@
   <a:extraClrSchemeLst/>
   <a:extLst>
     <a:ext uri="{05A4C25C-085E-4340-85A3-A5531E510DB2}">
-      <thm15:themeFamily xmlns:thm15="http://schemas.microsoft.com/office/thememl/2012/main" xmlns="" name="Office Theme" id="{62F939B6-93AF-4DB8-9C6B-D6C7DFDC589F}" vid="{4A3C46E8-61CC-4603-A589-7422A47A8E4A}"/>
+      <thm15:themeFamily xmlns="" xmlns:thm15="http://schemas.microsoft.com/office/thememl/2012/main" name="Office Theme" id="{62F939B6-93AF-4DB8-9C6B-D6C7DFDC589F}" vid="{4A3C46E8-61CC-4603-A589-7422A47A8E4A}"/>
     </a:ext>
   </a:extLst>
 </a:theme>
@@ -6193,7 +6201,7 @@
   <a:extraClrSchemeLst/>
   <a:extLst>
     <a:ext uri="{05A4C25C-085E-4340-85A3-A5531E510DB2}">
-      <thm15:themeFamily xmlns:thm15="http://schemas.microsoft.com/office/thememl/2012/main" xmlns="" name="Office Theme" id="{62F939B6-93AF-4DB8-9C6B-D6C7DFDC589F}" vid="{4A3C46E8-61CC-4603-A589-7422A47A8E4A}"/>
+      <thm15:themeFamily xmlns="" xmlns:thm15="http://schemas.microsoft.com/office/thememl/2012/main" name="Office Theme" id="{62F939B6-93AF-4DB8-9C6B-D6C7DFDC589F}" vid="{4A3C46E8-61CC-4603-A589-7422A47A8E4A}"/>
     </a:ext>
   </a:extLst>
 </a:theme>

--- a/connect-4-with-AI(ppt)-ASWA.pptx
+++ b/connect-4-with-AI(ppt)-ASWA.pptx
@@ -4311,7 +4311,7 @@
         </p:nvGraphicFramePr>
         <p:xfrm>
           <a:off x="1854200" y="2205222"/>
-          <a:ext cx="8128000" cy="2565400"/>
+          <a:ext cx="8128000" cy="3108960"/>
         </p:xfrm>
         <a:graphic>
           <a:graphicData uri="http://schemas.openxmlformats.org/drawingml/2006/table">
@@ -4759,9 +4759,17 @@
                     <a:bodyPr/>
                     <a:lstStyle/>
                     <a:p>
+                      <a:r>
+                        <a:rPr lang="en-US" dirty="0" smtClean="0">
+                          <a:solidFill>
+                            <a:srgbClr val="0070C0"/>
+                          </a:solidFill>
+                        </a:rPr>
+                        <a:t>https://github.com/aswathaanalina-19/connect-4-ai/blob/main/connect-4-with-AI(ppt)-ASWA.pptx</a:t>
+                      </a:r>
                       <a:endParaRPr lang="en-US" dirty="0">
                         <a:solidFill>
-                          <a:schemeClr val="tx1"/>
+                          <a:srgbClr val="0070C0"/>
                         </a:solidFill>
                       </a:endParaRPr>
                     </a:p>
@@ -5603,11 +5611,7 @@
             </a:r>
             <a:r>
               <a:rPr lang="en-US" sz="1800" smtClean="0"/>
-              <a:t>performance </a:t>
-            </a:r>
-            <a:r>
-              <a:rPr lang="en-US" sz="1800" smtClean="0"/>
-              <a:t>tuning .</a:t>
+              <a:t>performance tuning .</a:t>
             </a:r>
             <a:endParaRPr lang="en-US" sz="1800" dirty="0" smtClean="0"/>
           </a:p>
@@ -5940,7 +5944,7 @@
   <a:extraClrSchemeLst/>
   <a:extLst>
     <a:ext uri="{05A4C25C-085E-4340-85A3-A5531E510DB2}">
-      <thm15:themeFamily xmlns="" xmlns:thm15="http://schemas.microsoft.com/office/thememl/2012/main" name="Office Theme" id="{62F939B6-93AF-4DB8-9C6B-D6C7DFDC589F}" vid="{4A3C46E8-61CC-4603-A589-7422A47A8E4A}"/>
+      <thm15:themeFamily xmlns:thm15="http://schemas.microsoft.com/office/thememl/2012/main" xmlns="" name="Office Theme" id="{62F939B6-93AF-4DB8-9C6B-D6C7DFDC589F}" vid="{4A3C46E8-61CC-4603-A589-7422A47A8E4A}"/>
     </a:ext>
   </a:extLst>
 </a:theme>
@@ -6201,7 +6205,7 @@
   <a:extraClrSchemeLst/>
   <a:extLst>
     <a:ext uri="{05A4C25C-085E-4340-85A3-A5531E510DB2}">
-      <thm15:themeFamily xmlns="" xmlns:thm15="http://schemas.microsoft.com/office/thememl/2012/main" name="Office Theme" id="{62F939B6-93AF-4DB8-9C6B-D6C7DFDC589F}" vid="{4A3C46E8-61CC-4603-A589-7422A47A8E4A}"/>
+      <thm15:themeFamily xmlns:thm15="http://schemas.microsoft.com/office/thememl/2012/main" xmlns="" name="Office Theme" id="{62F939B6-93AF-4DB8-9C6B-D6C7DFDC589F}" vid="{4A3C46E8-61CC-4603-A589-7422A47A8E4A}"/>
     </a:ext>
   </a:extLst>
 </a:theme>

--- a/connect-4-with-AI(ppt)-ASWA.pptx
+++ b/connect-4-with-AI(ppt)-ASWA.pptx
@@ -4512,18 +4512,13 @@
                     <a:lstStyle/>
                     <a:p>
                       <a:r>
-                        <a:rPr lang="en-US" dirty="0" smtClean="0">
+                        <a:rPr lang="en-US" smtClean="0">
                           <a:solidFill>
                             <a:srgbClr val="0070C0"/>
                           </a:solidFill>
                         </a:rPr>
                         <a:t>https://github.com/aswathaanalina-19/connect-4-ai</a:t>
                       </a:r>
-                      <a:endParaRPr lang="en-US" dirty="0">
-                        <a:solidFill>
-                          <a:srgbClr val="0070C0"/>
-                        </a:solidFill>
-                      </a:endParaRPr>
                     </a:p>
                   </a:txBody>
                   <a:tcPr>
@@ -5944,7 +5939,7 @@
   <a:extraClrSchemeLst/>
   <a:extLst>
     <a:ext uri="{05A4C25C-085E-4340-85A3-A5531E510DB2}">
-      <thm15:themeFamily xmlns:thm15="http://schemas.microsoft.com/office/thememl/2012/main" xmlns="" name="Office Theme" id="{62F939B6-93AF-4DB8-9C6B-D6C7DFDC589F}" vid="{4A3C46E8-61CC-4603-A589-7422A47A8E4A}"/>
+      <thm15:themeFamily xmlns="" xmlns:thm15="http://schemas.microsoft.com/office/thememl/2012/main" name="Office Theme" id="{62F939B6-93AF-4DB8-9C6B-D6C7DFDC589F}" vid="{4A3C46E8-61CC-4603-A589-7422A47A8E4A}"/>
     </a:ext>
   </a:extLst>
 </a:theme>
@@ -6205,7 +6200,7 @@
   <a:extraClrSchemeLst/>
   <a:extLst>
     <a:ext uri="{05A4C25C-085E-4340-85A3-A5531E510DB2}">
-      <thm15:themeFamily xmlns:thm15="http://schemas.microsoft.com/office/thememl/2012/main" xmlns="" name="Office Theme" id="{62F939B6-93AF-4DB8-9C6B-D6C7DFDC589F}" vid="{4A3C46E8-61CC-4603-A589-7422A47A8E4A}"/>
+      <thm15:themeFamily xmlns="" xmlns:thm15="http://schemas.microsoft.com/office/thememl/2012/main" name="Office Theme" id="{62F939B6-93AF-4DB8-9C6B-D6C7DFDC589F}" vid="{4A3C46E8-61CC-4603-A589-7422A47A8E4A}"/>
     </a:ext>
   </a:extLst>
 </a:theme>

--- a/connect-4-with-AI(ppt)-ASWA.pptx
+++ b/connect-4-with-AI(ppt)-ASWA.pptx
@@ -199,7 +199,7 @@
             <a:fld id="{86EF56DB-6447-4E9A-8D0B-327B958AB26D}" type="datetimeFigureOut">
               <a:rPr lang="en-US" smtClean="0"/>
               <a:pPr/>
-              <a:t>10/29/2025</a:t>
+              <a:t>11/1/2025</a:t>
             </a:fld>
             <a:endParaRPr lang="en-US"/>
           </a:p>
@@ -592,7 +592,7 @@
             <a:fld id="{36A8A127-BB09-41A4-B1CB-CF09F8E9604A}" type="datetime1">
               <a:rPr lang="en-US" smtClean="0"/>
               <a:pPr/>
-              <a:t>10/29/2025</a:t>
+              <a:t>11/1/2025</a:t>
             </a:fld>
             <a:endParaRPr lang="en-US"/>
           </a:p>
@@ -757,7 +757,7 @@
             <a:fld id="{850BF149-3A71-4B38-9BDE-7A4D7C7AB1AD}" type="datetime1">
               <a:rPr lang="en-US" smtClean="0"/>
               <a:pPr/>
-              <a:t>10/29/2025</a:t>
+              <a:t>11/1/2025</a:t>
             </a:fld>
             <a:endParaRPr lang="en-US"/>
           </a:p>
@@ -932,7 +932,7 @@
             <a:fld id="{25415CF1-83E4-4056-B983-BD617F30DAFA}" type="datetime1">
               <a:rPr lang="en-US" smtClean="0"/>
               <a:pPr/>
-              <a:t>10/29/2025</a:t>
+              <a:t>11/1/2025</a:t>
             </a:fld>
             <a:endParaRPr lang="en-US"/>
           </a:p>
@@ -1097,7 +1097,7 @@
             <a:fld id="{42A9C543-C1A5-4BB5-A80B-9531F5C51CEB}" type="datetime1">
               <a:rPr lang="en-US" smtClean="0"/>
               <a:pPr/>
-              <a:t>10/29/2025</a:t>
+              <a:t>11/1/2025</a:t>
             </a:fld>
             <a:endParaRPr lang="en-US"/>
           </a:p>
@@ -1339,7 +1339,7 @@
             <a:fld id="{85DB2ABE-BEC8-4A12-8AF2-3E9347C9F9C5}" type="datetime1">
               <a:rPr lang="en-US" smtClean="0"/>
               <a:pPr/>
-              <a:t>10/29/2025</a:t>
+              <a:t>11/1/2025</a:t>
             </a:fld>
             <a:endParaRPr lang="en-US"/>
           </a:p>
@@ -1565,7 +1565,7 @@
             <a:fld id="{E457CA91-FD83-4EFE-93EA-63992C03614F}" type="datetime1">
               <a:rPr lang="en-US" smtClean="0"/>
               <a:pPr/>
-              <a:t>10/29/2025</a:t>
+              <a:t>11/1/2025</a:t>
             </a:fld>
             <a:endParaRPr lang="en-US"/>
           </a:p>
@@ -1926,7 +1926,7 @@
             <a:fld id="{07D6C43A-13E2-48A2-BAE5-CC73887FC199}" type="datetime1">
               <a:rPr lang="en-US" smtClean="0"/>
               <a:pPr/>
-              <a:t>10/29/2025</a:t>
+              <a:t>11/1/2025</a:t>
             </a:fld>
             <a:endParaRPr lang="en-US"/>
           </a:p>
@@ -2040,7 +2040,7 @@
             <a:fld id="{4EA2C5D3-416C-4131-8BC9-E71DA97D5A64}" type="datetime1">
               <a:rPr lang="en-US" smtClean="0"/>
               <a:pPr/>
-              <a:t>10/29/2025</a:t>
+              <a:t>11/1/2025</a:t>
             </a:fld>
             <a:endParaRPr lang="en-US"/>
           </a:p>
@@ -2132,7 +2132,7 @@
             <a:fld id="{B8971593-8386-48B7-BB85-87C0949B2086}" type="datetime1">
               <a:rPr lang="en-US" smtClean="0"/>
               <a:pPr/>
-              <a:t>10/29/2025</a:t>
+              <a:t>11/1/2025</a:t>
             </a:fld>
             <a:endParaRPr lang="en-US"/>
           </a:p>
@@ -2404,7 +2404,7 @@
             <a:fld id="{3070F398-88D3-4D2F-9F7E-785BF8AD0274}" type="datetime1">
               <a:rPr lang="en-US" smtClean="0"/>
               <a:pPr/>
-              <a:t>10/29/2025</a:t>
+              <a:t>11/1/2025</a:t>
             </a:fld>
             <a:endParaRPr lang="en-US"/>
           </a:p>
@@ -2653,7 +2653,7 @@
             <a:fld id="{CE1A94C1-07AC-4775-8A4F-70BB05306BF7}" type="datetime1">
               <a:rPr lang="en-US" smtClean="0"/>
               <a:pPr/>
-              <a:t>10/29/2025</a:t>
+              <a:t>11/1/2025</a:t>
             </a:fld>
             <a:endParaRPr lang="en-US"/>
           </a:p>
@@ -2861,7 +2861,7 @@
             <a:fld id="{A7FA37CB-3111-4E43-978B-840B0C3E984E}" type="datetime1">
               <a:rPr lang="en-US" smtClean="0"/>
               <a:pPr/>
-              <a:t>10/29/2025</a:t>
+              <a:t>11/1/2025</a:t>
             </a:fld>
             <a:endParaRPr lang="en-US"/>
           </a:p>
@@ -3431,24 +3431,24 @@
               </a:rPr>
             </a:br>
             <a:r>
-              <a:rPr lang="en-GB" sz="2400" dirty="0">
+              <a:rPr lang="en-GB" sz="2400" u="sng" dirty="0">
                 <a:latin typeface="Times New Roman" panose="02020603050405020304" pitchFamily="18" charset="0"/>
                 <a:cs typeface="Times New Roman" panose="02020603050405020304" pitchFamily="18" charset="0"/>
               </a:rPr>
               <a:t/>
             </a:r>
             <a:br>
-              <a:rPr lang="en-GB" sz="2400" dirty="0">
+              <a:rPr lang="en-GB" sz="2400" u="sng" dirty="0">
                 <a:latin typeface="Times New Roman" panose="02020603050405020304" pitchFamily="18" charset="0"/>
                 <a:cs typeface="Times New Roman" panose="02020603050405020304" pitchFamily="18" charset="0"/>
               </a:rPr>
             </a:br>
             <a:r>
-              <a:rPr lang="en-US" altLang="en-GB" sz="2400" b="1" u="sng" dirty="0">
+              <a:rPr lang="en-GB" sz="2400" u="sng" dirty="0" smtClean="0">
                 <a:latin typeface="Times New Roman" panose="02020603050405020304" pitchFamily="18" charset="0"/>
                 <a:cs typeface="Times New Roman" panose="02020603050405020304" pitchFamily="18" charset="0"/>
               </a:rPr>
-              <a:t>ROCK, PAPER, SCISSOR GAME USING MONTE CARLO SEARCH</a:t>
+              <a:t>4 Connect with AI</a:t>
             </a:r>
             <a:endParaRPr lang="en-US" altLang="en-GB" sz="2400" b="1" u="sng" dirty="0">
               <a:solidFill>
@@ -3696,7 +3696,7 @@
             <a:fld id="{F9B0B098-7844-408D-9BB3-6B083FBEE8AA}" type="datetime1">
               <a:rPr lang="en-US" smtClean="0"/>
               <a:pPr/>
-              <a:t>10/29/2025</a:t>
+              <a:t>11/1/2025</a:t>
             </a:fld>
             <a:endParaRPr lang="en-US"/>
           </a:p>
@@ -3888,7 +3888,7 @@
             <a:fld id="{316FBEDF-053F-468F-8CCF-D1ACE4FBB50D}" type="datetime1">
               <a:rPr lang="en-US" smtClean="0"/>
               <a:pPr/>
-              <a:t>10/29/2025</a:t>
+              <a:t>11/1/2025</a:t>
             </a:fld>
             <a:endParaRPr lang="en-US"/>
           </a:p>
@@ -4112,7 +4112,7 @@
             <a:fld id="{316FBEDF-053F-468F-8CCF-D1ACE4FBB50D}" type="datetime1">
               <a:rPr lang="en-US" smtClean="0"/>
               <a:pPr/>
-              <a:t>10/29/2025</a:t>
+              <a:t>11/1/2025</a:t>
             </a:fld>
             <a:endParaRPr lang="en-US"/>
           </a:p>
@@ -4271,7 +4271,7 @@
             <a:fld id="{C5480D13-07B8-4CF5-901F-BD1025D74351}" type="datetime1">
               <a:rPr lang="en-US" smtClean="0"/>
               <a:pPr/>
-              <a:t>10/29/2025</a:t>
+              <a:t>11/1/2025</a:t>
             </a:fld>
             <a:endParaRPr lang="en-US"/>
           </a:p>
@@ -4946,7 +4946,7 @@
             <a:fld id="{C5480D13-07B8-4CF5-901F-BD1025D74351}" type="datetime1">
               <a:rPr lang="en-US" smtClean="0"/>
               <a:pPr/>
-              <a:t>10/29/2025</a:t>
+              <a:t>11/1/2025</a:t>
             </a:fld>
             <a:endParaRPr lang="en-US"/>
           </a:p>
@@ -5386,7 +5386,7 @@
             <a:fld id="{C5480D13-07B8-4CF5-901F-BD1025D74351}" type="datetime1">
               <a:rPr lang="en-US" smtClean="0"/>
               <a:pPr/>
-              <a:t>10/29/2025</a:t>
+              <a:t>11/1/2025</a:t>
             </a:fld>
             <a:endParaRPr lang="en-US"/>
           </a:p>
@@ -5646,7 +5646,7 @@
             <a:fld id="{C5480D13-07B8-4CF5-901F-BD1025D74351}" type="datetime1">
               <a:rPr lang="en-US" smtClean="0"/>
               <a:pPr/>
-              <a:t>10/29/2025</a:t>
+              <a:t>11/1/2025</a:t>
             </a:fld>
             <a:endParaRPr lang="en-US"/>
           </a:p>
@@ -5939,7 +5939,7 @@
   <a:extraClrSchemeLst/>
   <a:extLst>
     <a:ext uri="{05A4C25C-085E-4340-85A3-A5531E510DB2}">
-      <thm15:themeFamily xmlns="" xmlns:thm15="http://schemas.microsoft.com/office/thememl/2012/main" name="Office Theme" id="{62F939B6-93AF-4DB8-9C6B-D6C7DFDC589F}" vid="{4A3C46E8-61CC-4603-A589-7422A47A8E4A}"/>
+      <thm15:themeFamily xmlns:thm15="http://schemas.microsoft.com/office/thememl/2012/main" xmlns="" name="Office Theme" id="{62F939B6-93AF-4DB8-9C6B-D6C7DFDC589F}" vid="{4A3C46E8-61CC-4603-A589-7422A47A8E4A}"/>
     </a:ext>
   </a:extLst>
 </a:theme>
@@ -6200,7 +6200,7 @@
   <a:extraClrSchemeLst/>
   <a:extLst>
     <a:ext uri="{05A4C25C-085E-4340-85A3-A5531E510DB2}">
-      <thm15:themeFamily xmlns="" xmlns:thm15="http://schemas.microsoft.com/office/thememl/2012/main" name="Office Theme" id="{62F939B6-93AF-4DB8-9C6B-D6C7DFDC589F}" vid="{4A3C46E8-61CC-4603-A589-7422A47A8E4A}"/>
+      <thm15:themeFamily xmlns:thm15="http://schemas.microsoft.com/office/thememl/2012/main" xmlns="" name="Office Theme" id="{62F939B6-93AF-4DB8-9C6B-D6C7DFDC589F}" vid="{4A3C46E8-61CC-4603-A589-7422A47A8E4A}"/>
     </a:ext>
   </a:extLst>
 </a:theme>
